--- a/project review final-1 .pptx
+++ b/project review final-1 .pptx
@@ -308,7 +308,7 @@
       </p15:sldGuideLst>
     </p:ext>
     <p:ext uri="GoogleSlidesCustomDataVersion2">
-      <go:slidesCustomData xmlns="" xmlns:mc="http://schemas.openxmlformats.org/markup-compatibility/2006" xmlns:mv="urn:schemas-microsoft-com:mac:vml" xmlns:c="http://schemas.openxmlformats.org/drawingml/2006/chart" xmlns:dgm="http://schemas.openxmlformats.org/drawingml/2006/diagram" xmlns:o="urn:schemas-microsoft-com:office:office" xmlns:v="urn:schemas-microsoft-com:vml" xmlns:pvml="urn:schemas-microsoft-com:office:powerpoint" xmlns:com="http://schemas.openxmlformats.org/drawingml/2006/compatibility" xmlns:p14="http://schemas.microsoft.com/office/powerpoint/2010/main" xmlns:p15="http://schemas.microsoft.com/office/powerpoint/2012/main" xmlns:ahyp="http://schemas.microsoft.com/office/drawing/2018/hyperlinkcolor" xmlns:go="http://customooxmlschemas.google.com/" r:id="rId56" roundtripDataSignature="AMtx7mirJ0D/MsuSXOUVxaGnMA7KvreIIQ=="/>
+      <go:slidesCustomData xmlns:go="http://customooxmlschemas.google.com/" xmlns:ahyp="http://schemas.microsoft.com/office/drawing/2018/hyperlinkcolor" xmlns:p15="http://schemas.microsoft.com/office/powerpoint/2012/main" xmlns:p14="http://schemas.microsoft.com/office/powerpoint/2010/main" xmlns:com="http://schemas.openxmlformats.org/drawingml/2006/compatibility" xmlns:pvml="urn:schemas-microsoft-com:office:powerpoint" xmlns:v="urn:schemas-microsoft-com:vml" xmlns:o="urn:schemas-microsoft-com:office:office" xmlns:dgm="http://schemas.openxmlformats.org/drawingml/2006/diagram" xmlns:c="http://schemas.openxmlformats.org/drawingml/2006/chart" xmlns:mv="urn:schemas-microsoft-com:mac:vml" xmlns:mc="http://schemas.openxmlformats.org/markup-compatibility/2006" xmlns="" r:id="rId56" roundtripDataSignature="AMtx7mirJ0D/MsuSXOUVxaGnMA7KvreIIQ=="/>
     </p:ext>
   </p:extLst>
 </p:presentation>
@@ -12689,8 +12689,17 @@
               <a:rPr lang="en-US" dirty="0">
                 <a:latin typeface="Bookman Old Style" panose="02050604050505020204" pitchFamily="18" charset="0"/>
               </a:rPr>
-              <a:t>V. Hemanth       (20EG105414)</a:t>
+              <a:t>V. Hemanth       </a:t>
             </a:r>
+            <a:r>
+              <a:rPr lang="en-US">
+                <a:latin typeface="Bookman Old Style" panose="02050604050505020204" pitchFamily="18" charset="0"/>
+              </a:rPr>
+              <a:t>(20EG105450)</a:t>
+            </a:r>
+            <a:endParaRPr lang="en-US" dirty="0">
+              <a:latin typeface="Bookman Old Style" panose="02050604050505020204" pitchFamily="18" charset="0"/>
+            </a:endParaRPr>
           </a:p>
           <a:p>
             <a:pPr marL="342900" indent="-342900">
